--- a/PowerPoint/LoggingInADevopsWorld.pptx
+++ b/PowerPoint/LoggingInADevopsWorld.pptx
@@ -7916,7 +7916,7 @@
 </file>
 
 <file path=ppt/slides/slide2.xml><?xml version="1.0" encoding="utf-8"?>
-<p:sld xmlns:a="http://schemas.openxmlformats.org/drawingml/2006/main" xmlns:r="http://schemas.openxmlformats.org/officeDocument/2006/relationships" xmlns:p="http://schemas.openxmlformats.org/presentationml/2006/main" show="0">
+<p:sld xmlns:a="http://schemas.openxmlformats.org/drawingml/2006/main" xmlns:r="http://schemas.openxmlformats.org/officeDocument/2006/relationships" xmlns:p="http://schemas.openxmlformats.org/presentationml/2006/main">
   <p:cSld>
     <p:bg>
       <p:bgPr>
@@ -8146,19 +8146,21 @@
           <a:bodyPr/>
           <a:lstStyle/>
           <a:p>
-            <a:r>
-              <a:rPr lang="en-US" dirty="0"/>
-              <a:t>Logging in a DevOps world</a:t>
-            </a:r>
-          </a:p>
-        </p:txBody>
-      </p:sp>
-      <p:sp>
-        <p:nvSpPr>
-          <p:cNvPr id="3" name="Subtitle 2">
+            <a:pPr algn="l"/>
+            <a:r>
+              <a:rPr lang="en-US" dirty="0" err="1"/>
+              <a:t>PSFramework</a:t>
+            </a:r>
+            <a:endParaRPr lang="en-US" dirty="0"/>
+          </a:p>
+        </p:txBody>
+      </p:sp>
+      <p:sp>
+        <p:nvSpPr>
+          <p:cNvPr id="5" name="Subtitle 4">
             <a:extLst>
               <a:ext uri="{FF2B5EF4-FFF2-40B4-BE49-F238E27FC236}">
-                <a16:creationId xmlns:a16="http://schemas.microsoft.com/office/drawing/2014/main" id="{FF44E0C9-AB4C-43DD-95F2-32147366A4C4}"/>
+                <a16:creationId xmlns:a16="http://schemas.microsoft.com/office/drawing/2014/main" id="{E17010E2-0247-404F-944B-2B7A3087B70D}"/>
               </a:ext>
             </a:extLst>
           </p:cNvPr>
@@ -8174,10 +8176,7 @@
           <a:bodyPr/>
           <a:lstStyle/>
           <a:p>
-            <a:r>
-              <a:rPr lang="en-US" dirty="0"/>
-              <a:t>Fred</a:t>
-            </a:r>
+            <a:endParaRPr lang="en-US"/>
           </a:p>
         </p:txBody>
       </p:sp>
@@ -12248,9 +12247,12 @@
 </file>
 
 <file path=customXml/item1.xml><?xml version="1.0" encoding="utf-8"?>
-<p:properties xmlns:p="http://schemas.microsoft.com/office/2006/metadata/properties" xmlns:xsi="http://www.w3.org/2001/XMLSchema-instance" xmlns:pc="http://schemas.microsoft.com/office/infopath/2007/PartnerControls">
-  <documentManagement/>
-</p:properties>
+<?mso-contentType ?>
+<FormTemplates xmlns="http://schemas.microsoft.com/sharepoint/v3/contenttype/forms">
+  <Display>DocumentLibraryForm</Display>
+  <Edit>DocumentLibraryForm</Edit>
+  <New>DocumentLibraryForm</New>
+</FormTemplates>
 </file>
 
 <file path=customXml/item2.xml><?xml version="1.0" encoding="utf-8"?>
@@ -12392,19 +12394,15 @@
 </file>
 
 <file path=customXml/item3.xml><?xml version="1.0" encoding="utf-8"?>
-<?mso-contentType ?>
-<FormTemplates xmlns="http://schemas.microsoft.com/sharepoint/v3/contenttype/forms">
-  <Display>DocumentLibraryForm</Display>
-  <Edit>DocumentLibraryForm</Edit>
-  <New>DocumentLibraryForm</New>
-</FormTemplates>
+<p:properties xmlns:p="http://schemas.microsoft.com/office/2006/metadata/properties" xmlns:xsi="http://www.w3.org/2001/XMLSchema-instance" xmlns:pc="http://schemas.microsoft.com/office/infopath/2007/PartnerControls">
+  <documentManagement/>
+</p:properties>
 </file>
 
 <file path=customXml/itemProps1.xml><?xml version="1.0" encoding="utf-8"?>
-<ds:datastoreItem xmlns:ds="http://schemas.openxmlformats.org/officeDocument/2006/customXml" ds:itemID="{18C67904-9C10-4B64-B599-8155E7A6B1E6}">
+<ds:datastoreItem xmlns:ds="http://schemas.openxmlformats.org/officeDocument/2006/customXml" ds:itemID="{72756391-D205-424A-B5B1-7032AF382F33}">
   <ds:schemaRefs>
-    <ds:schemaRef ds:uri="http://schemas.microsoft.com/office/2006/metadata/properties"/>
-    <ds:schemaRef ds:uri="http://schemas.microsoft.com/office/infopath/2007/PartnerControls"/>
+    <ds:schemaRef ds:uri="http://schemas.microsoft.com/sharepoint/v3/contenttype/forms"/>
   </ds:schemaRefs>
 </ds:datastoreItem>
 </file>
@@ -12428,9 +12426,10 @@
 </file>
 
 <file path=customXml/itemProps3.xml><?xml version="1.0" encoding="utf-8"?>
-<ds:datastoreItem xmlns:ds="http://schemas.openxmlformats.org/officeDocument/2006/customXml" ds:itemID="{72756391-D205-424A-B5B1-7032AF382F33}">
+<ds:datastoreItem xmlns:ds="http://schemas.openxmlformats.org/officeDocument/2006/customXml" ds:itemID="{18C67904-9C10-4B64-B599-8155E7A6B1E6}">
   <ds:schemaRefs>
-    <ds:schemaRef ds:uri="http://schemas.microsoft.com/sharepoint/v3/contenttype/forms"/>
+    <ds:schemaRef ds:uri="http://schemas.microsoft.com/office/2006/metadata/properties"/>
+    <ds:schemaRef ds:uri="http://schemas.microsoft.com/office/infopath/2007/PartnerControls"/>
   </ds:schemaRefs>
 </ds:datastoreItem>
 </file>